--- a/slides/Unit23_Searching.pptx
+++ b/slides/Unit23_Searching.pptx
@@ -188,7 +188,7 @@
 <file path=ppt/revisionInfo.xml><?xml version="1.0" encoding="utf-8"?>
 <p1510:revInfo xmlns:a="http://schemas.openxmlformats.org/drawingml/2006/main" xmlns:r="http://schemas.openxmlformats.org/officeDocument/2006/relationships" xmlns:p1510="http://schemas.microsoft.com/office/powerpoint/2015/10/main">
   <p1510:revLst>
-    <p1510:client id="{08BC6522-3B27-4160-AFF1-C40F22377C0A}" v="191" dt="2021-03-10T10:52:48.212"/>
+    <p1510:client id="{08BC6522-3B27-4160-AFF1-C40F22377C0A}" v="239" dt="2021-03-22T04:01:46.996"/>
   </p1510:revLst>
 </p1510:revInfo>
 </file>
@@ -198,7 +198,7 @@
   <pc:docChgLst>
     <pc:chgData name="Zhao Jin" userId="cd05a825-544c-438a-9ba1-08e63db50b47" providerId="ADAL" clId="{08BC6522-3B27-4160-AFF1-C40F22377C0A}"/>
     <pc:docChg chg="undo custSel addSld delSld modSld modMainMaster">
-      <pc:chgData name="Zhao Jin" userId="cd05a825-544c-438a-9ba1-08e63db50b47" providerId="ADAL" clId="{08BC6522-3B27-4160-AFF1-C40F22377C0A}" dt="2021-03-11T04:17:50.530" v="1604" actId="20577"/>
+      <pc:chgData name="Zhao Jin" userId="cd05a825-544c-438a-9ba1-08e63db50b47" providerId="ADAL" clId="{08BC6522-3B27-4160-AFF1-C40F22377C0A}" dt="2021-03-22T04:03:52.869" v="1751" actId="1035"/>
       <pc:docMkLst>
         <pc:docMk/>
       </pc:docMkLst>
@@ -287,7 +287,7 @@
         </pc:spChg>
       </pc:sldChg>
       <pc:sldChg chg="addSp delSp modSp add mod">
-        <pc:chgData name="Zhao Jin" userId="cd05a825-544c-438a-9ba1-08e63db50b47" providerId="ADAL" clId="{08BC6522-3B27-4160-AFF1-C40F22377C0A}" dt="2021-03-10T10:45:17.667" v="1319" actId="478"/>
+        <pc:chgData name="Zhao Jin" userId="cd05a825-544c-438a-9ba1-08e63db50b47" providerId="ADAL" clId="{08BC6522-3B27-4160-AFF1-C40F22377C0A}" dt="2021-03-22T03:58:07.949" v="1612" actId="6549"/>
         <pc:sldMkLst>
           <pc:docMk/>
           <pc:sldMk cId="2483833350" sldId="612"/>
@@ -306,6 +306,22 @@
             <pc:docMk/>
             <pc:sldMk cId="2483833350" sldId="612"/>
             <ac:spMk id="10" creationId="{00000000-0000-0000-0000-000000000000}"/>
+          </ac:spMkLst>
+        </pc:spChg>
+        <pc:spChg chg="mod">
+          <ac:chgData name="Zhao Jin" userId="cd05a825-544c-438a-9ba1-08e63db50b47" providerId="ADAL" clId="{08BC6522-3B27-4160-AFF1-C40F22377C0A}" dt="2021-03-22T03:57:54.178" v="1605" actId="207"/>
+          <ac:spMkLst>
+            <pc:docMk/>
+            <pc:sldMk cId="2483833350" sldId="612"/>
+            <ac:spMk id="13" creationId="{00000000-0000-0000-0000-000000000000}"/>
+          </ac:spMkLst>
+        </pc:spChg>
+        <pc:spChg chg="mod">
+          <ac:chgData name="Zhao Jin" userId="cd05a825-544c-438a-9ba1-08e63db50b47" providerId="ADAL" clId="{08BC6522-3B27-4160-AFF1-C40F22377C0A}" dt="2021-03-22T03:58:07.949" v="1612" actId="6549"/>
+          <ac:spMkLst>
+            <pc:docMk/>
+            <pc:sldMk cId="2483833350" sldId="612"/>
+            <ac:spMk id="30" creationId="{00000000-0000-0000-0000-000000000000}"/>
           </ac:spMkLst>
         </pc:spChg>
         <pc:spChg chg="mod">
@@ -334,7 +350,7 @@
         </pc:picChg>
       </pc:sldChg>
       <pc:sldChg chg="addSp delSp modSp add mod addAnim delAnim modAnim">
-        <pc:chgData name="Zhao Jin" userId="cd05a825-544c-438a-9ba1-08e63db50b47" providerId="ADAL" clId="{08BC6522-3B27-4160-AFF1-C40F22377C0A}" dt="2021-03-10T10:53:40.974" v="1581" actId="1036"/>
+        <pc:chgData name="Zhao Jin" userId="cd05a825-544c-438a-9ba1-08e63db50b47" providerId="ADAL" clId="{08BC6522-3B27-4160-AFF1-C40F22377C0A}" dt="2021-03-22T03:58:05.601" v="1611" actId="20577"/>
         <pc:sldMkLst>
           <pc:docMk/>
           <pc:sldMk cId="2970543596" sldId="613"/>
@@ -388,7 +404,7 @@
           </ac:spMkLst>
         </pc:spChg>
         <pc:spChg chg="mod">
-          <ac:chgData name="Zhao Jin" userId="cd05a825-544c-438a-9ba1-08e63db50b47" providerId="ADAL" clId="{08BC6522-3B27-4160-AFF1-C40F22377C0A}" dt="2021-03-10T10:53:40.974" v="1581" actId="1036"/>
+          <ac:chgData name="Zhao Jin" userId="cd05a825-544c-438a-9ba1-08e63db50b47" providerId="ADAL" clId="{08BC6522-3B27-4160-AFF1-C40F22377C0A}" dt="2021-03-22T03:58:05.601" v="1611" actId="20577"/>
           <ac:spMkLst>
             <pc:docMk/>
             <pc:sldMk cId="2970543596" sldId="613"/>
@@ -783,7 +799,7 @@
         </pc:graphicFrameChg>
       </pc:sldChg>
       <pc:sldChg chg="addSp delSp modSp add mod modAnim">
-        <pc:chgData name="Zhao Jin" userId="cd05a825-544c-438a-9ba1-08e63db50b47" providerId="ADAL" clId="{08BC6522-3B27-4160-AFF1-C40F22377C0A}" dt="2021-03-10T10:50:11.189" v="1419" actId="14100"/>
+        <pc:chgData name="Zhao Jin" userId="cd05a825-544c-438a-9ba1-08e63db50b47" providerId="ADAL" clId="{08BC6522-3B27-4160-AFF1-C40F22377C0A}" dt="2021-03-22T04:01:33.727" v="1727" actId="1076"/>
         <pc:sldMkLst>
           <pc:docMk/>
           <pc:sldMk cId="2267673099" sldId="621"/>
@@ -794,6 +810,14 @@
             <pc:docMk/>
             <pc:sldMk cId="2267673099" sldId="621"/>
             <ac:spMk id="7" creationId="{00000000-0000-0000-0000-000000000000}"/>
+          </ac:spMkLst>
+        </pc:spChg>
+        <pc:spChg chg="add mod">
+          <ac:chgData name="Zhao Jin" userId="cd05a825-544c-438a-9ba1-08e63db50b47" providerId="ADAL" clId="{08BC6522-3B27-4160-AFF1-C40F22377C0A}" dt="2021-03-22T04:01:33.727" v="1727" actId="1076"/>
+          <ac:spMkLst>
+            <pc:docMk/>
+            <pc:sldMk cId="2267673099" sldId="621"/>
+            <ac:spMk id="8" creationId="{50D9B554-6D17-4828-856D-FFE48A94B901}"/>
           </ac:spMkLst>
         </pc:spChg>
         <pc:spChg chg="mod topLvl">
@@ -990,7 +1014,7 @@
         </pc:spChg>
       </pc:sldChg>
       <pc:sldChg chg="delSp modSp add mod">
-        <pc:chgData name="Zhao Jin" userId="cd05a825-544c-438a-9ba1-08e63db50b47" providerId="ADAL" clId="{08BC6522-3B27-4160-AFF1-C40F22377C0A}" dt="2021-03-10T10:22:56.610" v="1061" actId="20577"/>
+        <pc:chgData name="Zhao Jin" userId="cd05a825-544c-438a-9ba1-08e63db50b47" providerId="ADAL" clId="{08BC6522-3B27-4160-AFF1-C40F22377C0A}" dt="2021-03-22T04:03:52.869" v="1751" actId="1035"/>
         <pc:sldMkLst>
           <pc:docMk/>
           <pc:sldMk cId="2892195280" sldId="644"/>
@@ -1001,6 +1025,62 @@
             <pc:docMk/>
             <pc:sldMk cId="2892195280" sldId="644"/>
             <ac:spMk id="7" creationId="{00000000-0000-0000-0000-000000000000}"/>
+          </ac:spMkLst>
+        </pc:spChg>
+        <pc:spChg chg="mod">
+          <ac:chgData name="Zhao Jin" userId="cd05a825-544c-438a-9ba1-08e63db50b47" providerId="ADAL" clId="{08BC6522-3B27-4160-AFF1-C40F22377C0A}" dt="2021-03-22T04:00:12.493" v="1625" actId="20577"/>
+          <ac:spMkLst>
+            <pc:docMk/>
+            <pc:sldMk cId="2892195280" sldId="644"/>
+            <ac:spMk id="30" creationId="{00000000-0000-0000-0000-000000000000}"/>
+          </ac:spMkLst>
+        </pc:spChg>
+        <pc:spChg chg="mod">
+          <ac:chgData name="Zhao Jin" userId="cd05a825-544c-438a-9ba1-08e63db50b47" providerId="ADAL" clId="{08BC6522-3B27-4160-AFF1-C40F22377C0A}" dt="2021-03-22T04:00:20.234" v="1635" actId="20577"/>
+          <ac:spMkLst>
+            <pc:docMk/>
+            <pc:sldMk cId="2892195280" sldId="644"/>
+            <ac:spMk id="35" creationId="{00000000-0000-0000-0000-000000000000}"/>
+          </ac:spMkLst>
+        </pc:spChg>
+        <pc:spChg chg="mod">
+          <ac:chgData name="Zhao Jin" userId="cd05a825-544c-438a-9ba1-08e63db50b47" providerId="ADAL" clId="{08BC6522-3B27-4160-AFF1-C40F22377C0A}" dt="2021-03-22T04:01:46.995" v="1734" actId="1035"/>
+          <ac:spMkLst>
+            <pc:docMk/>
+            <pc:sldMk cId="2892195280" sldId="644"/>
+            <ac:spMk id="40" creationId="{00000000-0000-0000-0000-000000000000}"/>
+          </ac:spMkLst>
+        </pc:spChg>
+        <pc:spChg chg="mod">
+          <ac:chgData name="Zhao Jin" userId="cd05a825-544c-438a-9ba1-08e63db50b47" providerId="ADAL" clId="{08BC6522-3B27-4160-AFF1-C40F22377C0A}" dt="2021-03-22T04:00:31.457" v="1639"/>
+          <ac:spMkLst>
+            <pc:docMk/>
+            <pc:sldMk cId="2892195280" sldId="644"/>
+            <ac:spMk id="45" creationId="{00000000-0000-0000-0000-000000000000}"/>
+          </ac:spMkLst>
+        </pc:spChg>
+        <pc:spChg chg="mod">
+          <ac:chgData name="Zhao Jin" userId="cd05a825-544c-438a-9ba1-08e63db50b47" providerId="ADAL" clId="{08BC6522-3B27-4160-AFF1-C40F22377C0A}" dt="2021-03-22T04:03:52.869" v="1751" actId="1035"/>
+          <ac:spMkLst>
+            <pc:docMk/>
+            <pc:sldMk cId="2892195280" sldId="644"/>
+            <ac:spMk id="48" creationId="{00000000-0000-0000-0000-000000000000}"/>
+          </ac:spMkLst>
+        </pc:spChg>
+        <pc:spChg chg="mod">
+          <ac:chgData name="Zhao Jin" userId="cd05a825-544c-438a-9ba1-08e63db50b47" providerId="ADAL" clId="{08BC6522-3B27-4160-AFF1-C40F22377C0A}" dt="2021-03-22T04:01:49.236" v="1738" actId="1035"/>
+          <ac:spMkLst>
+            <pc:docMk/>
+            <pc:sldMk cId="2892195280" sldId="644"/>
+            <ac:spMk id="49" creationId="{00000000-0000-0000-0000-000000000000}"/>
+          </ac:spMkLst>
+        </pc:spChg>
+        <pc:spChg chg="mod">
+          <ac:chgData name="Zhao Jin" userId="cd05a825-544c-438a-9ba1-08e63db50b47" providerId="ADAL" clId="{08BC6522-3B27-4160-AFF1-C40F22377C0A}" dt="2021-03-22T04:03:46.406" v="1747" actId="1036"/>
+          <ac:spMkLst>
+            <pc:docMk/>
+            <pc:sldMk cId="2892195280" sldId="644"/>
+            <ac:spMk id="50" creationId="{00000000-0000-0000-0000-000000000000}"/>
           </ac:spMkLst>
         </pc:spChg>
         <pc:spChg chg="mod">
@@ -10198,7 +10278,7 @@
               <a:pPr>
                 <a:defRPr/>
               </a:pPr>
-              <a:t>3/11/2021</a:t>
+              <a:t>3/22/2021</a:t>
             </a:fld>
             <a:endParaRPr lang="en-US" dirty="0"/>
           </a:p>
@@ -17455,6 +17535,62 @@
               <a:latin typeface="Courier New" pitchFamily="49" charset="0"/>
               <a:cs typeface="Courier New" pitchFamily="49" charset="0"/>
             </a:endParaRPr>
+          </a:p>
+        </p:txBody>
+      </p:sp>
+      <p:sp>
+        <p:nvSpPr>
+          <p:cNvPr id="8" name="TextBox 7">
+            <a:extLst>
+              <a:ext uri="{FF2B5EF4-FFF2-40B4-BE49-F238E27FC236}">
+                <a16:creationId xmlns:a16="http://schemas.microsoft.com/office/drawing/2014/main" id="{50D9B554-6D17-4828-856D-FFE48A94B901}"/>
+              </a:ext>
+            </a:extLst>
+          </p:cNvPr>
+          <p:cNvSpPr txBox="1"/>
+          <p:nvPr/>
+        </p:nvSpPr>
+        <p:spPr>
+          <a:xfrm>
+            <a:off x="5957892" y="1813019"/>
+            <a:ext cx="2362592" cy="646331"/>
+          </a:xfrm>
+          <a:prstGeom prst="rect">
+            <a:avLst/>
+          </a:prstGeom>
+          <a:solidFill>
+            <a:srgbClr val="FFFF99"/>
+          </a:solidFill>
+          <a:ln w="12700"/>
+        </p:spPr>
+        <p:style>
+          <a:lnRef idx="2">
+            <a:schemeClr val="accent4"/>
+          </a:lnRef>
+          <a:fillRef idx="1">
+            <a:schemeClr val="lt1"/>
+          </a:fillRef>
+          <a:effectRef idx="0">
+            <a:schemeClr val="accent4"/>
+          </a:effectRef>
+          <a:fontRef idx="minor">
+            <a:schemeClr val="dk1"/>
+          </a:fontRef>
+        </p:style>
+        <p:txBody>
+          <a:bodyPr wrap="square" rtlCol="0">
+            <a:spAutoFit/>
+          </a:bodyPr>
+          <a:lstStyle/>
+          <a:p>
+            <a:r>
+              <a:rPr lang="en-US" dirty="0" err="1"/>
+              <a:t>i</a:t>
+            </a:r>
+            <a:r>
+              <a:rPr lang="en-US" dirty="0"/>
+              <a:t> and j indicate start and end of the array.</a:t>
+            </a:r>
           </a:p>
         </p:txBody>
       </p:sp>
@@ -22797,7 +22933,22 @@
               <a:rPr lang="en-US" sz="2000" dirty="0">
                 <a:latin typeface="Calibri" pitchFamily="34" charset="0"/>
               </a:rPr>
-              <a:t>Example: Search for 24 in this list</a:t>
+              <a:t>Example: Search for </a:t>
+            </a:r>
+            <a:r>
+              <a:rPr lang="en-US" sz="2000" dirty="0">
+                <a:solidFill>
+                  <a:srgbClr val="0000FF"/>
+                </a:solidFill>
+                <a:latin typeface="Calibri" pitchFamily="34" charset="0"/>
+              </a:rPr>
+              <a:t>24</a:t>
+            </a:r>
+            <a:r>
+              <a:rPr lang="en-US" sz="2000" dirty="0">
+                <a:latin typeface="Calibri" pitchFamily="34" charset="0"/>
+              </a:rPr>
+              <a:t> in this list</a:t>
             </a:r>
             <a:endParaRPr lang="en-SG" sz="2000" dirty="0">
               <a:latin typeface="Calibri" pitchFamily="34" charset="0"/>
@@ -24125,7 +24276,7 @@
             </a:pPr>
             <a:r>
               <a:rPr lang="en-SG" dirty="0"/>
-              <a:t>Question: What to report if key is not found?</a:t>
+              <a:t>What to report if key is not found?</a:t>
             </a:r>
           </a:p>
           <a:p>
@@ -30044,11 +30195,11 @@
           <a:p>
             <a:pPr eaLnBrk="1" hangingPunct="1"/>
             <a:r>
-              <a:rPr lang="en-US" sz="2400"/>
-              <a:t>1. low = </a:t>
-            </a:r>
-            <a:r>
-              <a:rPr lang="en-US" sz="2400">
+              <a:rPr lang="en-US" sz="2400" dirty="0"/>
+              <a:t>1. start = </a:t>
+            </a:r>
+            <a:r>
+              <a:rPr lang="en-US" sz="2400" dirty="0">
                 <a:solidFill>
                   <a:srgbClr val="006600"/>
                 </a:solidFill>
@@ -30056,11 +30207,11 @@
               <a:t>0</a:t>
             </a:r>
             <a:r>
-              <a:rPr lang="en-US" sz="2400"/>
-              <a:t>, high = </a:t>
-            </a:r>
-            <a:r>
-              <a:rPr lang="en-US" sz="2400">
+              <a:rPr lang="en-US" sz="2400" dirty="0"/>
+              <a:t>, end = </a:t>
+            </a:r>
+            <a:r>
+              <a:rPr lang="en-US" sz="2400" dirty="0">
                 <a:solidFill>
                   <a:srgbClr val="0000FF"/>
                 </a:solidFill>
@@ -30068,18 +30219,18 @@
               <a:t>8</a:t>
             </a:r>
             <a:r>
-              <a:rPr lang="en-US" sz="2400"/>
+              <a:rPr lang="en-US" sz="2400" dirty="0"/>
               <a:t>, mid = (0+8)/2 = </a:t>
             </a:r>
             <a:r>
-              <a:rPr lang="en-US" sz="2400">
+              <a:rPr lang="en-US" sz="2400" dirty="0">
                 <a:solidFill>
                   <a:srgbClr val="C00000"/>
                 </a:solidFill>
               </a:rPr>
               <a:t>4</a:t>
             </a:r>
-            <a:endParaRPr lang="en-SG" sz="2400">
+            <a:endParaRPr lang="en-SG" sz="2400" dirty="0">
               <a:solidFill>
                 <a:srgbClr val="C00000"/>
               </a:solidFill>
@@ -30360,11 +30511,11 @@
           <a:p>
             <a:pPr eaLnBrk="1" hangingPunct="1"/>
             <a:r>
-              <a:rPr lang="en-US" sz="2400"/>
-              <a:t>2. low = </a:t>
-            </a:r>
-            <a:r>
-              <a:rPr lang="en-US" sz="2400">
+              <a:rPr lang="en-US" sz="2400" dirty="0"/>
+              <a:t>2. start = </a:t>
+            </a:r>
+            <a:r>
+              <a:rPr lang="en-US" sz="2400" dirty="0">
                 <a:solidFill>
                   <a:srgbClr val="006600"/>
                 </a:solidFill>
@@ -30372,11 +30523,11 @@
               <a:t>0</a:t>
             </a:r>
             <a:r>
-              <a:rPr lang="en-US" sz="2400"/>
-              <a:t>, high = </a:t>
-            </a:r>
-            <a:r>
-              <a:rPr lang="en-US" sz="2400">
+              <a:rPr lang="en-US" sz="2400" dirty="0"/>
+              <a:t>, end = </a:t>
+            </a:r>
+            <a:r>
+              <a:rPr lang="en-US" sz="2400" dirty="0">
                 <a:solidFill>
                   <a:srgbClr val="0000FF"/>
                 </a:solidFill>
@@ -30384,18 +30535,18 @@
               <a:t>3</a:t>
             </a:r>
             <a:r>
-              <a:rPr lang="en-US" sz="2400"/>
+              <a:rPr lang="en-US" sz="2400" dirty="0"/>
               <a:t>, mid = (0+3)/2 = </a:t>
             </a:r>
             <a:r>
-              <a:rPr lang="en-US" sz="2400">
+              <a:rPr lang="en-US" sz="2400" dirty="0">
                 <a:solidFill>
                   <a:srgbClr val="C00000"/>
                 </a:solidFill>
               </a:rPr>
               <a:t>1</a:t>
             </a:r>
-            <a:endParaRPr lang="en-SG" sz="2400">
+            <a:endParaRPr lang="en-SG" sz="2400" dirty="0">
               <a:solidFill>
                 <a:srgbClr val="C00000"/>
               </a:solidFill>
@@ -30532,7 +30683,7 @@
         </p:nvSpPr>
         <p:spPr bwMode="auto">
           <a:xfrm>
-            <a:off x="403225" y="4908897"/>
+            <a:off x="403225" y="4932546"/>
             <a:ext cx="5747543" cy="461665"/>
           </a:xfrm>
           <a:prstGeom prst="rect">
@@ -30676,11 +30827,11 @@
           <a:p>
             <a:pPr eaLnBrk="1" hangingPunct="1"/>
             <a:r>
-              <a:rPr lang="en-US" sz="2400"/>
-              <a:t>3. low = </a:t>
-            </a:r>
-            <a:r>
-              <a:rPr lang="en-US" sz="2400">
+              <a:rPr lang="en-US" sz="2400" dirty="0"/>
+              <a:t>3. start = </a:t>
+            </a:r>
+            <a:r>
+              <a:rPr lang="en-US" sz="2400" dirty="0">
                 <a:solidFill>
                   <a:srgbClr val="006600"/>
                 </a:solidFill>
@@ -30688,11 +30839,11 @@
               <a:t>2</a:t>
             </a:r>
             <a:r>
-              <a:rPr lang="en-US" sz="2400"/>
-              <a:t>, high = </a:t>
-            </a:r>
-            <a:r>
-              <a:rPr lang="en-US" sz="2400">
+              <a:rPr lang="en-US" sz="2400" dirty="0"/>
+              <a:t>, end = </a:t>
+            </a:r>
+            <a:r>
+              <a:rPr lang="en-US" sz="2400" dirty="0">
                 <a:solidFill>
                   <a:srgbClr val="0000FF"/>
                 </a:solidFill>
@@ -30700,18 +30851,18 @@
               <a:t>3</a:t>
             </a:r>
             <a:r>
-              <a:rPr lang="en-US" sz="2400"/>
+              <a:rPr lang="en-US" sz="2400" dirty="0"/>
               <a:t>, mid = (2+3)/2 = </a:t>
             </a:r>
             <a:r>
-              <a:rPr lang="en-US" sz="2400">
+              <a:rPr lang="en-US" sz="2400" dirty="0">
                 <a:solidFill>
                   <a:srgbClr val="C00000"/>
                 </a:solidFill>
               </a:rPr>
               <a:t>2</a:t>
             </a:r>
-            <a:endParaRPr lang="en-SG" sz="2400">
+            <a:endParaRPr lang="en-SG" sz="2400" dirty="0">
               <a:solidFill>
                 <a:srgbClr val="C00000"/>
               </a:solidFill>
@@ -30992,11 +31143,11 @@
           <a:p>
             <a:pPr eaLnBrk="1" hangingPunct="1"/>
             <a:r>
-              <a:rPr lang="en-US" sz="2400"/>
-              <a:t>4. low = </a:t>
-            </a:r>
-            <a:r>
-              <a:rPr lang="en-US" sz="2400">
+              <a:rPr lang="en-US" sz="2400" dirty="0"/>
+              <a:t>4. start = </a:t>
+            </a:r>
+            <a:r>
+              <a:rPr lang="en-US" sz="2400" dirty="0">
                 <a:solidFill>
                   <a:srgbClr val="006600"/>
                 </a:solidFill>
@@ -31004,11 +31155,11 @@
               <a:t>3</a:t>
             </a:r>
             <a:r>
-              <a:rPr lang="en-US" sz="2400"/>
-              <a:t>, high = </a:t>
-            </a:r>
-            <a:r>
-              <a:rPr lang="en-US" sz="2400">
+              <a:rPr lang="en-US" sz="2400" dirty="0"/>
+              <a:t>, end = </a:t>
+            </a:r>
+            <a:r>
+              <a:rPr lang="en-US" sz="2400" dirty="0">
                 <a:solidFill>
                   <a:srgbClr val="0000FF"/>
                 </a:solidFill>
@@ -31016,18 +31167,18 @@
               <a:t>3</a:t>
             </a:r>
             <a:r>
-              <a:rPr lang="en-US" sz="2400"/>
+              <a:rPr lang="en-US" sz="2400" dirty="0"/>
               <a:t>, mid = (3+3)/2 = </a:t>
             </a:r>
             <a:r>
-              <a:rPr lang="en-US" sz="2400">
+              <a:rPr lang="en-US" sz="2400" dirty="0">
                 <a:solidFill>
                   <a:srgbClr val="C00000"/>
                 </a:solidFill>
               </a:rPr>
               <a:t>3</a:t>
             </a:r>
-            <a:endParaRPr lang="en-SG" sz="2400">
+            <a:endParaRPr lang="en-SG" sz="2400" dirty="0">
               <a:solidFill>
                 <a:srgbClr val="C00000"/>
               </a:solidFill>
@@ -31290,7 +31441,7 @@
         </p:nvSpPr>
         <p:spPr>
           <a:xfrm>
-            <a:off x="5802299" y="4407545"/>
+            <a:off x="5802299" y="4423311"/>
             <a:ext cx="2548864" cy="461665"/>
           </a:xfrm>
           <a:prstGeom prst="rect">
@@ -31305,12 +31456,20 @@
           <a:lstStyle/>
           <a:p>
             <a:r>
-              <a:rPr lang="en-US" sz="2400">
+              <a:rPr lang="en-US" sz="2400" dirty="0" err="1">
                 <a:solidFill>
                   <a:srgbClr val="7030A0"/>
                 </a:solidFill>
               </a:rPr>
-              <a:t>arr[1] = 12 &lt; 23</a:t>
+              <a:t>arr</a:t>
+            </a:r>
+            <a:r>
+              <a:rPr lang="en-US" sz="2400" dirty="0">
+                <a:solidFill>
+                  <a:srgbClr val="7030A0"/>
+                </a:solidFill>
+              </a:rPr>
+              <a:t>[1] = 12 &lt; 23</a:t>
             </a:r>
           </a:p>
         </p:txBody>
@@ -31323,7 +31482,7 @@
         </p:nvSpPr>
         <p:spPr>
           <a:xfrm>
-            <a:off x="5802299" y="4908896"/>
+            <a:off x="5802299" y="4924662"/>
             <a:ext cx="2548864" cy="461665"/>
           </a:xfrm>
           <a:prstGeom prst="rect">
@@ -31338,12 +31497,20 @@
           <a:lstStyle/>
           <a:p>
             <a:r>
-              <a:rPr lang="en-US" sz="2400">
+              <a:rPr lang="en-US" sz="2400" dirty="0" err="1">
                 <a:solidFill>
                   <a:srgbClr val="7030A0"/>
                 </a:solidFill>
               </a:rPr>
-              <a:t>arr[2] = 17 &lt; 23</a:t>
+              <a:t>arr</a:t>
+            </a:r>
+            <a:r>
+              <a:rPr lang="en-US" sz="2400" dirty="0">
+                <a:solidFill>
+                  <a:srgbClr val="7030A0"/>
+                </a:solidFill>
+              </a:rPr>
+              <a:t>[2] = 17 &lt; 23</a:t>
             </a:r>
           </a:p>
         </p:txBody>
@@ -31356,7 +31523,7 @@
         </p:nvSpPr>
         <p:spPr>
           <a:xfrm>
-            <a:off x="5802299" y="5454689"/>
+            <a:off x="5802299" y="5415274"/>
             <a:ext cx="2548864" cy="461665"/>
           </a:xfrm>
           <a:prstGeom prst="rect">
@@ -31371,12 +31538,20 @@
           <a:lstStyle/>
           <a:p>
             <a:r>
-              <a:rPr lang="en-US" sz="2400">
+              <a:rPr lang="en-US" sz="2400" dirty="0" err="1">
                 <a:solidFill>
                   <a:srgbClr val="7030A0"/>
                 </a:solidFill>
               </a:rPr>
-              <a:t>arr[3] = 23 == 23</a:t>
+              <a:t>arr</a:t>
+            </a:r>
+            <a:r>
+              <a:rPr lang="en-US" sz="2400" dirty="0">
+                <a:solidFill>
+                  <a:srgbClr val="7030A0"/>
+                </a:solidFill>
+              </a:rPr>
+              <a:t>[3] = 23 == 23</a:t>
             </a:r>
           </a:p>
         </p:txBody>
